--- a/반드시 읽어볼것!! 설정사항.pptx
+++ b/반드시 읽어볼것!! 설정사항.pptx
@@ -201,7 +201,7 @@
           <a:p>
             <a:fld id="{61336D16-E132-476F-9FA2-71735733F1F7}" type="datetimeFigureOut">
               <a:rPr lang="ko-KR" altLang="en-US" smtClean="0"/>
-              <a:t>2017-11-17</a:t>
+              <a:t>2017-11-22</a:t>
             </a:fld>
             <a:endParaRPr lang="ko-KR" altLang="en-US"/>
           </a:p>
@@ -734,7 +734,7 @@
           <a:p>
             <a:fld id="{0A0F8455-9D46-49DF-9A3D-40F877EE1EE2}" type="datetimeFigureOut">
               <a:rPr lang="ko-KR" altLang="en-US" smtClean="0"/>
-              <a:t>2017-11-17</a:t>
+              <a:t>2017-11-22</a:t>
             </a:fld>
             <a:endParaRPr lang="ko-KR" altLang="en-US"/>
           </a:p>
@@ -904,7 +904,7 @@
           <a:p>
             <a:fld id="{0A0F8455-9D46-49DF-9A3D-40F877EE1EE2}" type="datetimeFigureOut">
               <a:rPr lang="ko-KR" altLang="en-US" smtClean="0"/>
-              <a:t>2017-11-17</a:t>
+              <a:t>2017-11-22</a:t>
             </a:fld>
             <a:endParaRPr lang="ko-KR" altLang="en-US"/>
           </a:p>
@@ -1084,7 +1084,7 @@
           <a:p>
             <a:fld id="{0A0F8455-9D46-49DF-9A3D-40F877EE1EE2}" type="datetimeFigureOut">
               <a:rPr lang="ko-KR" altLang="en-US" smtClean="0"/>
-              <a:t>2017-11-17</a:t>
+              <a:t>2017-11-22</a:t>
             </a:fld>
             <a:endParaRPr lang="ko-KR" altLang="en-US"/>
           </a:p>
@@ -1254,7 +1254,7 @@
           <a:p>
             <a:fld id="{0A0F8455-9D46-49DF-9A3D-40F877EE1EE2}" type="datetimeFigureOut">
               <a:rPr lang="ko-KR" altLang="en-US" smtClean="0"/>
-              <a:t>2017-11-17</a:t>
+              <a:t>2017-11-22</a:t>
             </a:fld>
             <a:endParaRPr lang="ko-KR" altLang="en-US"/>
           </a:p>
@@ -1500,7 +1500,7 @@
           <a:p>
             <a:fld id="{0A0F8455-9D46-49DF-9A3D-40F877EE1EE2}" type="datetimeFigureOut">
               <a:rPr lang="ko-KR" altLang="en-US" smtClean="0"/>
-              <a:t>2017-11-17</a:t>
+              <a:t>2017-11-22</a:t>
             </a:fld>
             <a:endParaRPr lang="ko-KR" altLang="en-US"/>
           </a:p>
@@ -1788,7 +1788,7 @@
           <a:p>
             <a:fld id="{0A0F8455-9D46-49DF-9A3D-40F877EE1EE2}" type="datetimeFigureOut">
               <a:rPr lang="ko-KR" altLang="en-US" smtClean="0"/>
-              <a:t>2017-11-17</a:t>
+              <a:t>2017-11-22</a:t>
             </a:fld>
             <a:endParaRPr lang="ko-KR" altLang="en-US"/>
           </a:p>
@@ -2210,7 +2210,7 @@
           <a:p>
             <a:fld id="{0A0F8455-9D46-49DF-9A3D-40F877EE1EE2}" type="datetimeFigureOut">
               <a:rPr lang="ko-KR" altLang="en-US" smtClean="0"/>
-              <a:t>2017-11-17</a:t>
+              <a:t>2017-11-22</a:t>
             </a:fld>
             <a:endParaRPr lang="ko-KR" altLang="en-US"/>
           </a:p>
@@ -2328,7 +2328,7 @@
           <a:p>
             <a:fld id="{0A0F8455-9D46-49DF-9A3D-40F877EE1EE2}" type="datetimeFigureOut">
               <a:rPr lang="ko-KR" altLang="en-US" smtClean="0"/>
-              <a:t>2017-11-17</a:t>
+              <a:t>2017-11-22</a:t>
             </a:fld>
             <a:endParaRPr lang="ko-KR" altLang="en-US"/>
           </a:p>
@@ -2423,7 +2423,7 @@
           <a:p>
             <a:fld id="{0A0F8455-9D46-49DF-9A3D-40F877EE1EE2}" type="datetimeFigureOut">
               <a:rPr lang="ko-KR" altLang="en-US" smtClean="0"/>
-              <a:t>2017-11-17</a:t>
+              <a:t>2017-11-22</a:t>
             </a:fld>
             <a:endParaRPr lang="ko-KR" altLang="en-US"/>
           </a:p>
@@ -2700,7 +2700,7 @@
           <a:p>
             <a:fld id="{0A0F8455-9D46-49DF-9A3D-40F877EE1EE2}" type="datetimeFigureOut">
               <a:rPr lang="ko-KR" altLang="en-US" smtClean="0"/>
-              <a:t>2017-11-17</a:t>
+              <a:t>2017-11-22</a:t>
             </a:fld>
             <a:endParaRPr lang="ko-KR" altLang="en-US"/>
           </a:p>
@@ -2953,7 +2953,7 @@
           <a:p>
             <a:fld id="{0A0F8455-9D46-49DF-9A3D-40F877EE1EE2}" type="datetimeFigureOut">
               <a:rPr lang="ko-KR" altLang="en-US" smtClean="0"/>
-              <a:t>2017-11-17</a:t>
+              <a:t>2017-11-22</a:t>
             </a:fld>
             <a:endParaRPr lang="ko-KR" altLang="en-US"/>
           </a:p>
@@ -3166,7 +3166,7 @@
           <a:p>
             <a:fld id="{0A0F8455-9D46-49DF-9A3D-40F877EE1EE2}" type="datetimeFigureOut">
               <a:rPr lang="ko-KR" altLang="en-US" smtClean="0"/>
-              <a:t>2017-11-17</a:t>
+              <a:t>2017-11-22</a:t>
             </a:fld>
             <a:endParaRPr lang="ko-KR" altLang="en-US"/>
           </a:p>
@@ -3591,96 +3591,88 @@
         </p:spPr>
         <p:txBody>
           <a:bodyPr>
-            <a:normAutofit fontScale="47500" lnSpcReduction="20000"/>
+            <a:noAutofit/>
           </a:bodyPr>
           <a:lstStyle/>
           <a:p>
             <a:pPr algn="l"/>
             <a:r>
-              <a:rPr lang="ko-KR" altLang="en-US" smtClean="0"/>
+              <a:rPr lang="ko-KR" altLang="en-US" sz="1400" smtClean="0"/>
               <a:t>서버 이름은 </a:t>
             </a:r>
             <a:r>
-              <a:rPr lang="en-US" altLang="ko-KR" smtClean="0"/>
+              <a:rPr lang="en-US" altLang="ko-KR" sz="1400" smtClean="0"/>
               <a:t>FitnessGround (</a:t>
             </a:r>
             <a:r>
-              <a:rPr lang="ko-KR" altLang="en-US" smtClean="0"/>
+              <a:rPr lang="ko-KR" altLang="en-US" sz="1400" smtClean="0"/>
               <a:t>대소문자 구별하니 정확하게 쓸것</a:t>
             </a:r>
             <a:r>
-              <a:rPr lang="en-US" altLang="ko-KR" smtClean="0"/>
+              <a:rPr lang="en-US" altLang="ko-KR" sz="1400" smtClean="0"/>
               <a:t>)</a:t>
             </a:r>
           </a:p>
           <a:p>
             <a:pPr algn="l"/>
-            <a:endParaRPr lang="en-US" altLang="ko-KR" smtClean="0"/>
+            <a:endParaRPr lang="en-US" altLang="ko-KR" sz="1400" smtClean="0"/>
           </a:p>
           <a:p>
             <a:pPr algn="l"/>
             <a:r>
-              <a:rPr lang="en-US" altLang="ko-KR" smtClean="0"/>
+              <a:rPr lang="en-US" altLang="ko-KR" sz="1400" smtClean="0"/>
               <a:t>1. C </a:t>
             </a:r>
             <a:r>
-              <a:rPr lang="ko-KR" altLang="en-US" smtClean="0"/>
+              <a:rPr lang="ko-KR" altLang="en-US" sz="1400" smtClean="0"/>
               <a:t>드라이브에 </a:t>
             </a:r>
             <a:r>
-              <a:rPr lang="en-US" altLang="ko-KR" smtClean="0"/>
+              <a:rPr lang="en-US" altLang="ko-KR" sz="1400" smtClean="0"/>
               <a:t>devtool </a:t>
             </a:r>
             <a:r>
-              <a:rPr lang="ko-KR" altLang="en-US" smtClean="0"/>
+              <a:rPr lang="ko-KR" altLang="en-US" sz="1400" smtClean="0"/>
               <a:t>이라는 폴더를 만든다</a:t>
             </a:r>
           </a:p>
           <a:p>
             <a:pPr algn="l"/>
             <a:r>
-              <a:rPr lang="en-US" altLang="ko-KR" smtClean="0"/>
+              <a:rPr lang="en-US" altLang="ko-KR" sz="1400" smtClean="0"/>
               <a:t>2. </a:t>
             </a:r>
             <a:r>
-              <a:rPr lang="ko-KR" altLang="en-US" smtClean="0"/>
-              <a:t>아파치 톰캣을 포함한 모든 툴</a:t>
-            </a:r>
-            <a:r>
-              <a:rPr lang="en-US" altLang="ko-KR" smtClean="0"/>
+              <a:rPr lang="ko-KR" altLang="en-US" sz="1400" smtClean="0"/>
+              <a:t>아파치 톰캣을 </a:t>
+            </a:r>
+            <a:r>
+              <a:rPr lang="en-US" altLang="ko-KR" sz="1400" smtClean="0"/>
+              <a:t>devtool</a:t>
+            </a:r>
+            <a:r>
+              <a:rPr lang="ko-KR" altLang="en-US" sz="1400" smtClean="0"/>
+              <a:t>에 넣음 </a:t>
+            </a:r>
+            <a:r>
+              <a:rPr lang="en-US" altLang="ko-KR" sz="1400" smtClean="0"/>
               <a:t>(</a:t>
             </a:r>
             <a:r>
-              <a:rPr lang="ko-KR" altLang="en-US" smtClean="0"/>
-              <a:t>메이븐등등</a:t>
-            </a:r>
-            <a:r>
-              <a:rPr lang="en-US" altLang="ko-KR" smtClean="0"/>
+              <a:rPr lang="ko-KR" altLang="en-US" sz="1400" smtClean="0"/>
+              <a:t>깃허브에 있음</a:t>
+            </a:r>
+            <a:r>
+              <a:rPr lang="en-US" altLang="ko-KR" sz="1400" smtClean="0"/>
               <a:t>)</a:t>
             </a:r>
-            <a:r>
-              <a:rPr lang="ko-KR" altLang="en-US" smtClean="0"/>
-              <a:t>을 </a:t>
-            </a:r>
-            <a:r>
-              <a:rPr lang="en-US" altLang="ko-KR" smtClean="0"/>
-              <a:t>devtool</a:t>
-            </a:r>
-            <a:r>
-              <a:rPr lang="ko-KR" altLang="en-US" smtClean="0"/>
-              <a:t>에 </a:t>
-            </a:r>
-            <a:r>
-              <a:rPr lang="ko-KR" altLang="en-US" smtClean="0"/>
-              <a:t>넣는다</a:t>
-            </a:r>
-            <a:endParaRPr lang="en-US" altLang="ko-KR" smtClean="0"/>
+            <a:endParaRPr lang="en-US" altLang="ko-KR" sz="1400" smtClean="0"/>
           </a:p>
         </p:txBody>
       </p:sp>
       <p:pic>
         <p:nvPicPr>
-          <p:cNvPr id="1027" name="Picture 3"/>
+          <p:cNvPr id="3074" name="Picture 2"/>
           <p:cNvPicPr>
             <a:picLocks noChangeAspect="1" noChangeArrowheads="1"/>
           </p:cNvPicPr>
@@ -3701,8 +3693,8 @@
         </p:blipFill>
         <p:spPr bwMode="auto">
           <a:xfrm>
-            <a:off x="1331640" y="2204862"/>
-            <a:ext cx="5616624" cy="4513397"/>
+            <a:off x="1547664" y="2348880"/>
+            <a:ext cx="5760640" cy="4365104"/>
           </a:xfrm>
           <a:prstGeom prst="rect">
             <a:avLst/>
@@ -3833,7 +3825,7 @@
             </a:r>
             <a:r>
               <a:rPr lang="en-US" altLang="ko-KR" sz="1200" smtClean="0"/>
-              <a:t>jre1.8.0_144 </a:t>
+              <a:t>jre1.8.0_151 </a:t>
             </a:r>
             <a:r>
               <a:rPr lang="ko-KR" altLang="en-US" sz="1200" smtClean="0"/>
@@ -3863,32 +3855,20 @@
               <a:buAutoNum type="arabicPeriod"/>
             </a:pPr>
             <a:r>
+              <a:rPr lang="en-US" altLang="ko-KR" sz="1200" smtClean="0"/>
+              <a:t>Properties </a:t>
+            </a:r>
+            <a:r>
+              <a:rPr lang="en-US" altLang="ko-KR" sz="1200"/>
+              <a:t>-&gt; Java Build Path -&gt; Libraries -&gt; JRE System </a:t>
+            </a:r>
+            <a:r>
+              <a:rPr lang="en-US" altLang="ko-KR" sz="1200" smtClean="0"/>
+              <a:t>Library </a:t>
+            </a:r>
+            <a:r>
               <a:rPr lang="ko-KR" altLang="en-US" sz="1200" smtClean="0"/>
-              <a:t>깃허브에 </a:t>
-            </a:r>
-            <a:r>
-              <a:rPr lang="ko-KR" altLang="en-US" sz="1200" smtClean="0"/>
-              <a:t>있는 </a:t>
-            </a:r>
-            <a:r>
-              <a:rPr lang="en-US" altLang="ko-KR" sz="1200" smtClean="0"/>
-              <a:t>jre1.8.0_144 </a:t>
-            </a:r>
-            <a:r>
-              <a:rPr lang="ko-KR" altLang="en-US" sz="1200" smtClean="0"/>
-              <a:t>폴더를 복사 후 </a:t>
-            </a:r>
-            <a:r>
-              <a:rPr lang="en-US" altLang="ko-KR" sz="1200"/>
-              <a:t>C:\Program </a:t>
-            </a:r>
-            <a:r>
-              <a:rPr lang="en-US" altLang="ko-KR" sz="1200" smtClean="0"/>
-              <a:t>Files\Java </a:t>
-            </a:r>
-            <a:r>
-              <a:rPr lang="ko-KR" altLang="en-US" sz="1200" smtClean="0"/>
-              <a:t>경로에 붙여 넣기 한다</a:t>
+              <a:t>더블클릭</a:t>
             </a:r>
             <a:endParaRPr lang="en-US" altLang="ko-KR" sz="1200" smtClean="0"/>
           </a:p>
@@ -3897,16 +3877,20 @@
               <a:buAutoNum type="arabicPeriod"/>
             </a:pPr>
             <a:r>
-              <a:rPr lang="en-US" altLang="ko-KR" sz="1200"/>
-              <a:t>Properties -&gt; Java Build Path -&gt; Libraries -&gt; JRE System </a:t>
-            </a:r>
-            <a:r>
               <a:rPr lang="en-US" altLang="ko-KR" sz="1200" smtClean="0"/>
-              <a:t>Library </a:t>
+              <a:t>Alternate JRE </a:t>
             </a:r>
             <a:r>
               <a:rPr lang="ko-KR" altLang="en-US" sz="1200" smtClean="0"/>
-              <a:t>더블클릭</a:t>
+              <a:t>체크후 </a:t>
+            </a:r>
+            <a:r>
+              <a:rPr lang="en-US" altLang="ko-KR" sz="1200" smtClean="0"/>
+              <a:t>Installes JREs… </a:t>
+            </a:r>
+            <a:r>
+              <a:rPr lang="ko-KR" altLang="en-US" sz="1200" smtClean="0"/>
+              <a:t>클릭</a:t>
             </a:r>
             <a:endParaRPr lang="en-US" altLang="ko-KR" sz="1200" smtClean="0"/>
           </a:p>
@@ -3915,35 +3899,39 @@
               <a:buAutoNum type="arabicPeriod"/>
             </a:pPr>
             <a:r>
+              <a:rPr lang="ko-KR" altLang="en-US" sz="1200" smtClean="0"/>
+              <a:t>목록에 있는거 클릭 후 </a:t>
+            </a:r>
+            <a:r>
               <a:rPr lang="en-US" altLang="ko-KR" sz="1200" smtClean="0"/>
-              <a:t>Alternate JRE </a:t>
-            </a:r>
-            <a:r>
-              <a:rPr lang="ko-KR" altLang="en-US" sz="1200" smtClean="0"/>
-              <a:t>체크후 </a:t>
-            </a:r>
-            <a:r>
-              <a:rPr lang="en-US" altLang="ko-KR" sz="1200" smtClean="0"/>
-              <a:t>Installes JREs… </a:t>
-            </a:r>
-            <a:r>
-              <a:rPr lang="ko-KR" altLang="en-US" sz="1200" smtClean="0"/>
-              <a:t>클릭</a:t>
-            </a:r>
-            <a:endParaRPr lang="en-US" altLang="ko-KR" sz="1200" smtClean="0"/>
+              <a:t>edit</a:t>
+            </a:r>
           </a:p>
           <a:p>
             <a:pPr marL="228600" indent="-228600">
               <a:buAutoNum type="arabicPeriod"/>
             </a:pPr>
             <a:r>
+              <a:rPr lang="en-US" altLang="ko-KR" sz="1200" smtClean="0"/>
+              <a:t>JRE home </a:t>
+            </a:r>
+            <a:r>
               <a:rPr lang="ko-KR" altLang="en-US" sz="1200" smtClean="0"/>
-              <a:t>목록에 있는거 클릭 후 </a:t>
+              <a:t>에 있는 </a:t>
             </a:r>
             <a:r>
               <a:rPr lang="en-US" altLang="ko-KR" sz="1200" smtClean="0"/>
-              <a:t>edit</a:t>
-            </a:r>
+              <a:t>Directory … </a:t>
+            </a:r>
+            <a:r>
+              <a:rPr lang="ko-KR" altLang="en-US" sz="1200" smtClean="0"/>
+              <a:t>클릭 후 </a:t>
+            </a:r>
+            <a:r>
+              <a:rPr lang="ko-KR" altLang="en-US" sz="1200" smtClean="0"/>
+              <a:t>아래와 같이 선택</a:t>
+            </a:r>
+            <a:endParaRPr lang="en-US" altLang="ko-KR" sz="1200" smtClean="0"/>
           </a:p>
           <a:p>
             <a:pPr marL="228600" indent="-228600">
@@ -3951,27 +3939,27 @@
             </a:pPr>
             <a:r>
               <a:rPr lang="en-US" altLang="ko-KR" sz="1200" smtClean="0"/>
-              <a:t>JRE home </a:t>
+              <a:t>JRE </a:t>
+            </a:r>
+            <a:r>
+              <a:rPr lang="en-US" altLang="ko-KR" sz="1200" smtClean="0"/>
+              <a:t>name </a:t>
             </a:r>
             <a:r>
               <a:rPr lang="ko-KR" altLang="en-US" sz="1200" smtClean="0"/>
-              <a:t>에 있는 </a:t>
+              <a:t>은 </a:t>
             </a:r>
             <a:r>
               <a:rPr lang="en-US" altLang="ko-KR" sz="1200" smtClean="0"/>
-              <a:t>Directory … </a:t>
+              <a:t>jre1.8.0_151</a:t>
             </a:r>
             <a:r>
               <a:rPr lang="ko-KR" altLang="en-US" sz="1200" smtClean="0"/>
-              <a:t>클릭 후 </a:t>
-            </a:r>
-            <a:r>
-              <a:rPr lang="en-US" altLang="ko-KR" sz="1200" smtClean="0"/>
-              <a:t>1</a:t>
+              <a:t>를 </a:t>
             </a:r>
             <a:r>
               <a:rPr lang="ko-KR" altLang="en-US" sz="1200" smtClean="0"/>
-              <a:t>번에서 복사한 폴더 선택</a:t>
+              <a:t>적어줌</a:t>
             </a:r>
             <a:endParaRPr lang="en-US" altLang="ko-KR" sz="1200" smtClean="0"/>
           </a:p>
@@ -3981,107 +3969,50 @@
             </a:pPr>
             <a:r>
               <a:rPr lang="en-US" altLang="ko-KR" sz="1200" smtClean="0"/>
-              <a:t>JRE name </a:t>
+              <a:t>Finish </a:t>
             </a:r>
             <a:r>
               <a:rPr lang="ko-KR" altLang="en-US" sz="1200" smtClean="0"/>
-              <a:t>은 </a:t>
+              <a:t>후 </a:t>
             </a:r>
             <a:r>
               <a:rPr lang="en-US" altLang="ko-KR" sz="1200" smtClean="0"/>
-              <a:t>jre1.8.0_144</a:t>
-            </a:r>
-            <a:r>
-              <a:rPr lang="ko-KR" altLang="en-US" sz="1200" smtClean="0"/>
-              <a:t>를 적어줌</a:t>
-            </a:r>
-            <a:endParaRPr lang="en-US" altLang="ko-KR" sz="1200" smtClean="0"/>
+              <a:t>Apply and Close</a:t>
+            </a:r>
           </a:p>
           <a:p>
             <a:pPr marL="228600" indent="-228600">
               <a:buAutoNum type="arabicPeriod"/>
             </a:pPr>
             <a:r>
+              <a:rPr lang="ko-KR" altLang="en-US" sz="1200" smtClean="0"/>
+              <a:t>체크를 </a:t>
+            </a:r>
+            <a:r>
               <a:rPr lang="en-US" altLang="ko-KR" sz="1200" smtClean="0"/>
-              <a:t>Finish </a:t>
+              <a:t>Workspace default JRE </a:t>
             </a:r>
             <a:r>
               <a:rPr lang="ko-KR" altLang="en-US" sz="1200" smtClean="0"/>
-              <a:t>후 </a:t>
-            </a:r>
-            <a:r>
-              <a:rPr lang="en-US" altLang="ko-KR" sz="1200" smtClean="0"/>
-              <a:t>Apply and Close</a:t>
-            </a:r>
+              <a:t>로 바꿔줌</a:t>
+            </a:r>
+            <a:endParaRPr lang="en-US" altLang="ko-KR" sz="1200" smtClean="0"/>
           </a:p>
           <a:p>
             <a:pPr marL="228600" indent="-228600">
               <a:buAutoNum type="arabicPeriod"/>
             </a:pPr>
             <a:r>
-              <a:rPr lang="ko-KR" altLang="en-US" sz="1200" smtClean="0"/>
-              <a:t>체크를 </a:t>
-            </a:r>
-            <a:r>
-              <a:rPr lang="en-US" altLang="ko-KR" sz="1200" smtClean="0"/>
-              <a:t>Workspace default JRE </a:t>
-            </a:r>
-            <a:r>
-              <a:rPr lang="ko-KR" altLang="en-US" sz="1200" smtClean="0"/>
-              <a:t>로 바꿔줌</a:t>
-            </a:r>
-            <a:endParaRPr lang="en-US" altLang="ko-KR" sz="1200" smtClean="0"/>
-          </a:p>
-          <a:p>
-            <a:pPr marL="228600" indent="-228600">
-              <a:buAutoNum type="arabicPeriod"/>
-            </a:pPr>
-            <a:r>
               <a:rPr lang="en-US" altLang="ko-KR" sz="1200" smtClean="0"/>
               <a:t>Finish</a:t>
             </a:r>
-          </a:p>
-          <a:p>
-            <a:pPr marL="228600" indent="-228600">
-              <a:buAutoNum type="arabicPeriod"/>
-            </a:pPr>
-            <a:endParaRPr lang="en-US" altLang="ko-KR" sz="1200"/>
-          </a:p>
-          <a:p>
-            <a:pPr marL="228600" indent="-228600">
-              <a:buAutoNum type="arabicPeriod"/>
-            </a:pPr>
             <a:endParaRPr lang="en-US" altLang="ko-KR" sz="1200" smtClean="0"/>
-          </a:p>
-          <a:p>
-            <a:pPr marL="0" indent="0">
-              <a:buNone/>
-            </a:pPr>
-            <a:r>
-              <a:rPr lang="ko-KR" altLang="en-US" sz="1200" b="1" smtClean="0">
-                <a:solidFill>
-                  <a:srgbClr val="FF0000"/>
-                </a:solidFill>
-              </a:rPr>
-              <a:t>오른쪽 사항과 일치하면 됨</a:t>
-            </a:r>
-            <a:endParaRPr lang="en-US" altLang="ko-KR" sz="1200" b="1" smtClean="0">
-              <a:solidFill>
-                <a:srgbClr val="FF0000"/>
-              </a:solidFill>
-            </a:endParaRPr>
-          </a:p>
-          <a:p>
-            <a:pPr marL="228600" indent="-228600">
-              <a:buAutoNum type="arabicPeriod"/>
-            </a:pPr>
-            <a:endParaRPr lang="en-US" altLang="ko-KR" sz="1200"/>
           </a:p>
         </p:txBody>
       </p:sp>
       <p:pic>
         <p:nvPicPr>
-          <p:cNvPr id="1026" name="Picture 2"/>
+          <p:cNvPr id="4099" name="Picture 3"/>
           <p:cNvPicPr>
             <a:picLocks noChangeAspect="1" noChangeArrowheads="1"/>
           </p:cNvPicPr>
@@ -4102,8 +4033,8 @@
         </p:blipFill>
         <p:spPr bwMode="auto">
           <a:xfrm>
-            <a:off x="2627784" y="4136840"/>
-            <a:ext cx="6219825" cy="2066925"/>
+            <a:off x="3635896" y="3284983"/>
+            <a:ext cx="5040560" cy="3308623"/>
           </a:xfrm>
           <a:prstGeom prst="rect">
             <a:avLst/>
@@ -4372,7 +4303,11 @@
             </a:pPr>
             <a:r>
               <a:rPr lang="en-US" altLang="ko-KR" sz="1200" smtClean="0"/>
-              <a:t>*** jdk-9.0.1 </a:t>
+              <a:t>*** </a:t>
+            </a:r>
+            <a:r>
+              <a:rPr lang="en-US" altLang="ko-KR" sz="1200" smtClean="0"/>
+              <a:t>jdk1.8.0_151 </a:t>
             </a:r>
             <a:r>
               <a:rPr lang="ko-KR" altLang="en-US" sz="1200" smtClean="0"/>
@@ -4384,7 +4319,7 @@
       </p:sp>
       <p:pic>
         <p:nvPicPr>
-          <p:cNvPr id="2051" name="Picture 3"/>
+          <p:cNvPr id="2050" name="Picture 2"/>
           <p:cNvPicPr>
             <a:picLocks noChangeAspect="1" noChangeArrowheads="1"/>
           </p:cNvPicPr>
@@ -4405,8 +4340,8 @@
         </p:blipFill>
         <p:spPr bwMode="auto">
           <a:xfrm>
-            <a:off x="827584" y="1988840"/>
-            <a:ext cx="6438900" cy="3514725"/>
+            <a:off x="1077443" y="1988840"/>
+            <a:ext cx="5276850" cy="3533775"/>
           </a:xfrm>
           <a:prstGeom prst="rect">
             <a:avLst/>
@@ -4532,16 +4467,8 @@
               <a:t>: </a:t>
             </a:r>
             <a:r>
-              <a:rPr lang="en-US" altLang="ko-KR" sz="1200">
-                <a:hlinkClick r:id="rId2"/>
-              </a:rPr>
-              <a:t>http://</a:t>
-            </a:r>
-            <a:r>
-              <a:rPr lang="en-US" altLang="ko-KR" sz="1200" smtClean="0">
-                <a:hlinkClick r:id="rId2"/>
-              </a:rPr>
-              <a:t>www.oracle.com/technetwork/java/javase/downloads/index.html</a:t>
+              <a:rPr lang="en-US" altLang="ko-KR" sz="1200"/>
+              <a:t>http://www.oracle.com/technetwork/java/javase/downloads/jdk8-downloads-2133151.html</a:t>
             </a:r>
             <a:endParaRPr lang="en-US" altLang="ko-KR" sz="1200" smtClean="0"/>
           </a:p>
@@ -4555,14 +4482,14 @@
       </p:sp>
       <p:pic>
         <p:nvPicPr>
-          <p:cNvPr id="1026" name="Picture 2"/>
+          <p:cNvPr id="4" name="Picture 2"/>
           <p:cNvPicPr>
             <a:picLocks noChangeAspect="1" noChangeArrowheads="1"/>
           </p:cNvPicPr>
           <p:nvPr/>
         </p:nvPicPr>
         <p:blipFill>
-          <a:blip r:embed="rId3">
+          <a:blip r:embed="rId2">
             <a:extLst>
               <a:ext uri="{28A0092B-C50C-407E-A947-70E740481C1C}">
                 <a14:useLocalDpi xmlns:a14="http://schemas.microsoft.com/office/drawing/2010/main" val="0"/>
@@ -4576,72 +4503,8 @@
         </p:blipFill>
         <p:spPr bwMode="auto">
           <a:xfrm>
-            <a:off x="0" y="2060848"/>
-            <a:ext cx="4411233" cy="3663875"/>
-          </a:xfrm>
-          <a:prstGeom prst="rect">
-            <a:avLst/>
-          </a:prstGeom>
-          <a:noFill/>
-          <a:ln>
-            <a:noFill/>
-          </a:ln>
-          <a:effectLst/>
-          <a:extLst>
-            <a:ext uri="{909E8E84-426E-40DD-AFC4-6F175D3DCCD1}">
-              <a14:hiddenFill xmlns:a14="http://schemas.microsoft.com/office/drawing/2010/main">
-                <a:solidFill>
-                  <a:schemeClr val="accent1"/>
-                </a:solidFill>
-              </a14:hiddenFill>
-            </a:ext>
-            <a:ext uri="{91240B29-F687-4F45-9708-019B960494DF}">
-              <a14:hiddenLine xmlns:a14="http://schemas.microsoft.com/office/drawing/2010/main" w="9525">
-                <a:solidFill>
-                  <a:schemeClr val="tx1"/>
-                </a:solidFill>
-                <a:miter lim="800000"/>
-                <a:headEnd/>
-                <a:tailEnd/>
-              </a14:hiddenLine>
-            </a:ext>
-            <a:ext uri="{AF507438-7753-43E0-B8FC-AC1667EBCBE1}">
-              <a14:hiddenEffects xmlns:a14="http://schemas.microsoft.com/office/drawing/2010/main">
-                <a:effectLst>
-                  <a:outerShdw dist="35921" dir="2700000" algn="ctr" rotWithShape="0">
-                    <a:schemeClr val="bg2"/>
-                  </a:outerShdw>
-                </a:effectLst>
-              </a14:hiddenEffects>
-            </a:ext>
-          </a:extLst>
-        </p:spPr>
-      </p:pic>
-      <p:pic>
-        <p:nvPicPr>
-          <p:cNvPr id="1027" name="Picture 3"/>
-          <p:cNvPicPr>
-            <a:picLocks noChangeAspect="1" noChangeArrowheads="1"/>
-          </p:cNvPicPr>
-          <p:nvPr/>
-        </p:nvPicPr>
-        <p:blipFill>
-          <a:blip r:embed="rId4">
-            <a:extLst>
-              <a:ext uri="{28A0092B-C50C-407E-A947-70E740481C1C}">
-                <a14:useLocalDpi xmlns:a14="http://schemas.microsoft.com/office/drawing/2010/main" val="0"/>
-              </a:ext>
-            </a:extLst>
-          </a:blip>
-          <a:srcRect/>
-          <a:stretch>
-            <a:fillRect/>
-          </a:stretch>
-        </p:blipFill>
-        <p:spPr bwMode="auto">
-          <a:xfrm>
-            <a:off x="4662753" y="2060848"/>
-            <a:ext cx="4392488" cy="3613465"/>
+            <a:off x="755576" y="1952624"/>
+            <a:ext cx="7426494" cy="4140671"/>
           </a:xfrm>
           <a:prstGeom prst="rect">
             <a:avLst/>
@@ -4757,11 +4620,7 @@
           <a:p>
             <a:r>
               <a:rPr lang="ko-KR" altLang="en-US" sz="1200" smtClean="0"/>
-              <a:t>다운로드 </a:t>
-            </a:r>
-            <a:r>
-              <a:rPr lang="ko-KR" altLang="en-US" sz="1200" smtClean="0"/>
-              <a:t>방법 </a:t>
+              <a:t>다운로드 방법 </a:t>
             </a:r>
             <a:r>
               <a:rPr lang="en-US" altLang="ko-KR" sz="1200" smtClean="0"/>
@@ -4919,15 +4778,7 @@
                   <a:srgbClr val="FF0000"/>
                 </a:solidFill>
               </a:rPr>
-              <a:t>메이븐 </a:t>
-            </a:r>
-            <a:r>
-              <a:rPr lang="ko-KR" altLang="en-US" sz="1400" b="1" smtClean="0">
-                <a:solidFill>
-                  <a:srgbClr val="FF0000"/>
-                </a:solidFill>
-              </a:rPr>
-              <a:t>경로에는 한글이 있으면 절대 안된다</a:t>
+              <a:t>메이븐 경로에는 한글이 있으면 절대 안된다</a:t>
             </a:r>
             <a:r>
               <a:rPr lang="en-US" altLang="ko-KR" sz="1400" b="1" smtClean="0">
@@ -5078,8 +4929,8 @@
         </p:nvSpPr>
         <p:spPr>
           <a:xfrm>
-            <a:off x="457200" y="1600200"/>
-            <a:ext cx="8229600" cy="5069160"/>
+            <a:off x="467544" y="1196752"/>
+            <a:ext cx="8229600" cy="5328592"/>
           </a:xfrm>
         </p:spPr>
         <p:txBody>
@@ -5090,11 +4941,11 @@
           <a:p>
             <a:r>
               <a:rPr lang="en-US" altLang="ko-KR" sz="1200" smtClean="0"/>
-              <a:t>C:\devtool\maven\apache-maven-3.5.2 </a:t>
+              <a:t>C</a:t>
             </a:r>
             <a:r>
               <a:rPr lang="ko-KR" altLang="en-US" sz="1200" smtClean="0"/>
-              <a:t>에다가 </a:t>
+              <a:t>드라이브에 </a:t>
             </a:r>
             <a:r>
               <a:rPr lang="en-US" altLang="ko-KR" sz="1200" smtClean="0"/>
@@ -5109,7 +4960,11 @@
           <a:p>
             <a:r>
               <a:rPr lang="en-US" altLang="ko-KR" sz="1200" smtClean="0"/>
-              <a:t>C:\devtool\maven\apache-maven-3.5.2\conf </a:t>
+              <a:t>C</a:t>
+            </a:r>
+            <a:r>
+              <a:rPr lang="en-US" altLang="ko-KR" sz="1200" smtClean="0"/>
+              <a:t>:\apache-maven-3.5.2\conf </a:t>
             </a:r>
             <a:r>
               <a:rPr lang="ko-KR" altLang="en-US" sz="1200" smtClean="0"/>
@@ -5231,7 +5086,37 @@
             <a:pPr marL="0" indent="0">
               <a:buNone/>
             </a:pPr>
+            <a:endParaRPr lang="en-US" altLang="ko-KR" sz="1200" smtClean="0"/>
+          </a:p>
+          <a:p>
+            <a:pPr marL="0" indent="0">
+              <a:buNone/>
+            </a:pPr>
             <a:endParaRPr lang="en-US" altLang="ko-KR" sz="1200"/>
+          </a:p>
+          <a:p>
+            <a:pPr marL="0" indent="0">
+              <a:buNone/>
+            </a:pPr>
+            <a:endParaRPr lang="en-US" altLang="ko-KR" sz="1200" smtClean="0"/>
+          </a:p>
+          <a:p>
+            <a:pPr marL="0" indent="0">
+              <a:buNone/>
+            </a:pPr>
+            <a:endParaRPr lang="en-US" altLang="ko-KR" sz="1200"/>
+          </a:p>
+          <a:p>
+            <a:pPr marL="0" indent="0">
+              <a:buNone/>
+            </a:pPr>
+            <a:endParaRPr lang="en-US" altLang="ko-KR" sz="1200"/>
+          </a:p>
+          <a:p>
+            <a:pPr marL="0" indent="0">
+              <a:buNone/>
+            </a:pPr>
+            <a:endParaRPr lang="en-US" altLang="ko-KR" sz="1200" smtClean="0"/>
           </a:p>
           <a:p>
             <a:pPr marL="0" indent="0">
@@ -5264,7 +5149,7 @@
       </p:sp>
       <p:pic>
         <p:nvPicPr>
-          <p:cNvPr id="4099" name="Picture 3"/>
+          <p:cNvPr id="6146" name="Picture 2"/>
           <p:cNvPicPr>
             <a:picLocks noChangeAspect="1" noChangeArrowheads="1"/>
           </p:cNvPicPr>
@@ -5285,8 +5170,8 @@
         </p:blipFill>
         <p:spPr bwMode="auto">
           <a:xfrm>
-            <a:off x="1403648" y="2420888"/>
-            <a:ext cx="4768624" cy="2808312"/>
+            <a:off x="959804" y="1988840"/>
+            <a:ext cx="6727322" cy="3960440"/>
           </a:xfrm>
           <a:prstGeom prst="rect">
             <a:avLst/>
@@ -5395,7 +5280,12 @@
             <p:ph idx="1"/>
           </p:nvPr>
         </p:nvSpPr>
-        <p:spPr/>
+        <p:spPr>
+          <a:xfrm>
+            <a:off x="467544" y="1461429"/>
+            <a:ext cx="8229600" cy="4925144"/>
+          </a:xfrm>
+        </p:spPr>
         <p:txBody>
           <a:bodyPr>
             <a:normAutofit/>
@@ -5470,6 +5360,27 @@
           </a:p>
           <a:p>
             <a:endParaRPr lang="en-US" altLang="ko-KR" sz="1200" b="1" smtClean="0"/>
+          </a:p>
+          <a:p>
+            <a:endParaRPr lang="en-US" altLang="ko-KR" sz="1200" b="1">
+              <a:solidFill>
+                <a:srgbClr val="FF0000"/>
+              </a:solidFill>
+            </a:endParaRPr>
+          </a:p>
+          <a:p>
+            <a:endParaRPr lang="en-US" altLang="ko-KR" sz="1200" b="1" smtClean="0">
+              <a:solidFill>
+                <a:srgbClr val="FF0000"/>
+              </a:solidFill>
+            </a:endParaRPr>
+          </a:p>
+          <a:p>
+            <a:endParaRPr lang="en-US" altLang="ko-KR" sz="1200" b="1">
+              <a:solidFill>
+                <a:srgbClr val="FF0000"/>
+              </a:solidFill>
+            </a:endParaRPr>
           </a:p>
           <a:p>
             <a:endParaRPr lang="en-US" altLang="ko-KR" sz="1200" b="1" smtClean="0">
@@ -5548,7 +5459,7 @@
       </p:sp>
       <p:pic>
         <p:nvPicPr>
-          <p:cNvPr id="5122" name="Picture 2"/>
+          <p:cNvPr id="4" name="Picture 2"/>
           <p:cNvPicPr>
             <a:picLocks noChangeAspect="1" noChangeArrowheads="1"/>
           </p:cNvPicPr>
@@ -5569,8 +5480,8 @@
         </p:blipFill>
         <p:spPr bwMode="auto">
           <a:xfrm>
-            <a:off x="1691680" y="1916832"/>
-            <a:ext cx="4608511" cy="3546710"/>
+            <a:off x="1259632" y="1898141"/>
+            <a:ext cx="5760640" cy="4051721"/>
           </a:xfrm>
           <a:prstGeom prst="rect">
             <a:avLst/>
